--- a/Artefatos/10. Fronteira Sistêmica.pptx
+++ b/Artefatos/10. Fronteira Sistêmica.pptx
@@ -255,7 +255,7 @@
           <a:p>
             <a:fld id="{265273A3-8198-408F-B757-1AED24639885}" type="datetimeFigureOut">
               <a:rPr lang="pt-BR" smtClean="0"/>
-              <a:t>06/11/2019</a:t>
+              <a:t>26/03/2020</a:t>
             </a:fld>
             <a:endParaRPr lang="pt-BR"/>
           </a:p>
@@ -425,7 +425,7 @@
           <a:p>
             <a:fld id="{265273A3-8198-408F-B757-1AED24639885}" type="datetimeFigureOut">
               <a:rPr lang="pt-BR" smtClean="0"/>
-              <a:t>06/11/2019</a:t>
+              <a:t>26/03/2020</a:t>
             </a:fld>
             <a:endParaRPr lang="pt-BR"/>
           </a:p>
@@ -605,7 +605,7 @@
           <a:p>
             <a:fld id="{265273A3-8198-408F-B757-1AED24639885}" type="datetimeFigureOut">
               <a:rPr lang="pt-BR" smtClean="0"/>
-              <a:t>06/11/2019</a:t>
+              <a:t>26/03/2020</a:t>
             </a:fld>
             <a:endParaRPr lang="pt-BR"/>
           </a:p>
@@ -775,7 +775,7 @@
           <a:p>
             <a:fld id="{265273A3-8198-408F-B757-1AED24639885}" type="datetimeFigureOut">
               <a:rPr lang="pt-BR" smtClean="0"/>
-              <a:t>06/11/2019</a:t>
+              <a:t>26/03/2020</a:t>
             </a:fld>
             <a:endParaRPr lang="pt-BR"/>
           </a:p>
@@ -1021,7 +1021,7 @@
           <a:p>
             <a:fld id="{265273A3-8198-408F-B757-1AED24639885}" type="datetimeFigureOut">
               <a:rPr lang="pt-BR" smtClean="0"/>
-              <a:t>06/11/2019</a:t>
+              <a:t>26/03/2020</a:t>
             </a:fld>
             <a:endParaRPr lang="pt-BR"/>
           </a:p>
@@ -1253,7 +1253,7 @@
           <a:p>
             <a:fld id="{265273A3-8198-408F-B757-1AED24639885}" type="datetimeFigureOut">
               <a:rPr lang="pt-BR" smtClean="0"/>
-              <a:t>06/11/2019</a:t>
+              <a:t>26/03/2020</a:t>
             </a:fld>
             <a:endParaRPr lang="pt-BR"/>
           </a:p>
@@ -1620,7 +1620,7 @@
           <a:p>
             <a:fld id="{265273A3-8198-408F-B757-1AED24639885}" type="datetimeFigureOut">
               <a:rPr lang="pt-BR" smtClean="0"/>
-              <a:t>06/11/2019</a:t>
+              <a:t>26/03/2020</a:t>
             </a:fld>
             <a:endParaRPr lang="pt-BR"/>
           </a:p>
@@ -1738,7 +1738,7 @@
           <a:p>
             <a:fld id="{265273A3-8198-408F-B757-1AED24639885}" type="datetimeFigureOut">
               <a:rPr lang="pt-BR" smtClean="0"/>
-              <a:t>06/11/2019</a:t>
+              <a:t>26/03/2020</a:t>
             </a:fld>
             <a:endParaRPr lang="pt-BR"/>
           </a:p>
@@ -1833,7 +1833,7 @@
           <a:p>
             <a:fld id="{265273A3-8198-408F-B757-1AED24639885}" type="datetimeFigureOut">
               <a:rPr lang="pt-BR" smtClean="0"/>
-              <a:t>06/11/2019</a:t>
+              <a:t>26/03/2020</a:t>
             </a:fld>
             <a:endParaRPr lang="pt-BR"/>
           </a:p>
@@ -2110,7 +2110,7 @@
           <a:p>
             <a:fld id="{265273A3-8198-408F-B757-1AED24639885}" type="datetimeFigureOut">
               <a:rPr lang="pt-BR" smtClean="0"/>
-              <a:t>06/11/2019</a:t>
+              <a:t>26/03/2020</a:t>
             </a:fld>
             <a:endParaRPr lang="pt-BR"/>
           </a:p>
@@ -2363,7 +2363,7 @@
           <a:p>
             <a:fld id="{265273A3-8198-408F-B757-1AED24639885}" type="datetimeFigureOut">
               <a:rPr lang="pt-BR" smtClean="0"/>
-              <a:t>06/11/2019</a:t>
+              <a:t>26/03/2020</a:t>
             </a:fld>
             <a:endParaRPr lang="pt-BR"/>
           </a:p>
@@ -2576,7 +2576,7 @@
           <a:p>
             <a:fld id="{265273A3-8198-408F-B757-1AED24639885}" type="datetimeFigureOut">
               <a:rPr lang="pt-BR" smtClean="0"/>
-              <a:t>06/11/2019</a:t>
+              <a:t>26/03/2020</a:t>
             </a:fld>
             <a:endParaRPr lang="pt-BR"/>
           </a:p>
@@ -3121,58 +3121,74 @@
       </p:sp>
       <p:sp>
         <p:nvSpPr>
-          <p:cNvPr id="31" name="Texto explicativo em seta para baixo 30"/>
-          <p:cNvSpPr/>
+          <p:cNvPr id="6" name="CaixaDeTexto 5"/>
+          <p:cNvSpPr txBox="1"/>
           <p:nvPr/>
         </p:nvSpPr>
         <p:spPr>
           <a:xfrm>
-            <a:off x="4155508" y="1378762"/>
-            <a:ext cx="3830878" cy="1265128"/>
+            <a:off x="4528073" y="1289282"/>
+            <a:ext cx="3156559" cy="830997"/>
           </a:xfrm>
-          <a:prstGeom prst="downArrowCallout">
+          <a:prstGeom prst="rect">
             <a:avLst/>
           </a:prstGeom>
+          <a:noFill/>
+        </p:spPr>
+        <p:txBody>
+          <a:bodyPr wrap="square" rtlCol="0">
+            <a:spAutoFit/>
+          </a:bodyPr>
+          <a:lstStyle/>
+          <a:p>
+            <a:r>
+              <a:rPr lang="pt-BR" sz="2400" dirty="0" smtClean="0"/>
+              <a:t>Proprietário da Oficina </a:t>
+            </a:r>
+          </a:p>
+          <a:p>
+            <a:pPr algn="ctr"/>
+            <a:r>
+              <a:rPr lang="pt-BR" sz="2400" dirty="0" smtClean="0"/>
+              <a:t>Jacarandás</a:t>
+            </a:r>
+            <a:endParaRPr lang="pt-BR" sz="2400" dirty="0"/>
+          </a:p>
+        </p:txBody>
+      </p:sp>
+      <p:cxnSp>
+        <p:nvCxnSpPr>
+          <p:cNvPr id="8" name="Conector de Seta Reta 7"/>
+          <p:cNvCxnSpPr/>
+          <p:nvPr/>
+        </p:nvCxnSpPr>
+        <p:spPr>
+          <a:xfrm>
+            <a:off x="6106352" y="2120279"/>
+            <a:ext cx="0" cy="631767"/>
+          </a:xfrm>
+          <a:prstGeom prst="straightConnector1">
+            <a:avLst/>
+          </a:prstGeom>
+          <a:ln>
+            <a:tailEnd type="triangle"/>
+          </a:ln>
         </p:spPr>
         <p:style>
-          <a:lnRef idx="2">
+          <a:lnRef idx="1">
             <a:schemeClr val="dk1"/>
           </a:lnRef>
-          <a:fillRef idx="1">
-            <a:schemeClr val="lt1"/>
+          <a:fillRef idx="0">
+            <a:schemeClr val="dk1"/>
           </a:fillRef>
           <a:effectRef idx="0">
             <a:schemeClr val="dk1"/>
           </a:effectRef>
           <a:fontRef idx="minor">
-            <a:schemeClr val="dk1"/>
+            <a:schemeClr val="tx1"/>
           </a:fontRef>
         </p:style>
-        <p:txBody>
-          <a:bodyPr rtlCol="0" anchor="ctr"/>
-          <a:lstStyle/>
-          <a:p>
-            <a:pPr algn="ctr"/>
-            <a:r>
-              <a:rPr lang="pt-BR" sz="2400" dirty="0" smtClean="0"/>
-              <a:t>Proprietário da </a:t>
-            </a:r>
-            <a:r>
-              <a:rPr lang="pt-BR" sz="2400" smtClean="0"/>
-              <a:t>Oficina </a:t>
-            </a:r>
-            <a:r>
-              <a:rPr lang="pt-BR" sz="2400" smtClean="0"/>
-              <a:t>J</a:t>
-            </a:r>
-            <a:r>
-              <a:rPr lang="pt-BR" sz="2400" smtClean="0"/>
-              <a:t>acarandás</a:t>
-            </a:r>
-            <a:endParaRPr lang="pt-BR" dirty="0"/>
-          </a:p>
-        </p:txBody>
-      </p:sp>
+      </p:cxnSp>
     </p:spTree>
     <p:extLst>
       <p:ext uri="{BB962C8B-B14F-4D97-AF65-F5344CB8AC3E}">
